--- a/lessons/E_SyntacticParsing_DataSources/D5_live_Z_GoogleAPI_NLP_services.pptx
+++ b/lessons/E_SyntacticParsing_DataSources/D5_live_Z_GoogleAPI_NLP_services.pptx
@@ -217,7 +217,7 @@
           <a:p>
             <a:fld id="{B0C0A60C-850A-4EA4-9C14-A8FE98B94505}" type="datetimeFigureOut">
               <a:rPr lang="en-US" smtClean="0"/>
-              <a:t>1/3/21</a:t>
+              <a:t>1/7/21</a:t>
             </a:fld>
             <a:endParaRPr lang="en-US"/>
           </a:p>
@@ -616,7 +616,7 @@
           <a:p>
             <a:fld id="{5738B90E-0779-4C36-915C-6F05FCD89456}" type="datetime1">
               <a:rPr lang="en-US" smtClean="0"/>
-              <a:t>1/3/21</a:t>
+              <a:t>1/7/21</a:t>
             </a:fld>
             <a:endParaRPr lang="en-US"/>
           </a:p>
@@ -796,7 +796,7 @@
           <a:p>
             <a:fld id="{7B9EA29D-D431-42FE-B7B6-AAE4454C77D3}" type="datetime1">
               <a:rPr lang="en-US" smtClean="0"/>
-              <a:t>1/3/21</a:t>
+              <a:t>1/7/21</a:t>
             </a:fld>
             <a:endParaRPr lang="en-US"/>
           </a:p>
@@ -1053,7 +1053,7 @@
           <a:p>
             <a:fld id="{690D8A1E-EA8F-46C1-B891-AE0C00D9C314}" type="datetime1">
               <a:rPr lang="en-US" smtClean="0"/>
-              <a:t>1/3/21</a:t>
+              <a:t>1/7/21</a:t>
             </a:fld>
             <a:endParaRPr lang="en-US"/>
           </a:p>
@@ -1344,7 +1344,7 @@
           <a:p>
             <a:fld id="{D753EFC8-4232-4598-94F6-94C0EBAFC469}" type="datetime1">
               <a:rPr lang="en-US" smtClean="0"/>
-              <a:t>1/3/21</a:t>
+              <a:t>1/7/21</a:t>
             </a:fld>
             <a:endParaRPr lang="en-US"/>
           </a:p>
@@ -1656,7 +1656,7 @@
           <a:p>
             <a:fld id="{F3161074-1C18-4AE7-957D-F18524378C85}" type="datetime1">
               <a:rPr lang="en-US" smtClean="0"/>
-              <a:t>1/3/21</a:t>
+              <a:t>1/7/21</a:t>
             </a:fld>
             <a:endParaRPr lang="en-US"/>
           </a:p>
@@ -1892,7 +1892,7 @@
           <a:p>
             <a:fld id="{69BE256C-8D9A-4404-B47D-41A1AE514425}" type="datetime1">
               <a:rPr lang="en-US" smtClean="0"/>
-              <a:t>1/3/21</a:t>
+              <a:t>1/7/21</a:t>
             </a:fld>
             <a:endParaRPr lang="en-US"/>
           </a:p>
@@ -2323,7 +2323,7 @@
           <a:p>
             <a:fld id="{66CB2154-9035-4012-8189-BAAB61C5A5EE}" type="datetime1">
               <a:rPr lang="en-US" smtClean="0"/>
-              <a:t>1/3/21</a:t>
+              <a:t>1/7/21</a:t>
             </a:fld>
             <a:endParaRPr lang="en-US"/>
           </a:p>
@@ -2494,7 +2494,7 @@
           <a:p>
             <a:fld id="{6700A58B-DD98-43D0-B791-721480A02982}" type="datetime1">
               <a:rPr lang="en-US" smtClean="0"/>
-              <a:t>1/3/21</a:t>
+              <a:t>1/7/21</a:t>
             </a:fld>
             <a:endParaRPr lang="en-US"/>
           </a:p>
@@ -2683,7 +2683,7 @@
           <a:p>
             <a:fld id="{7DB6E382-4F61-4E24-BE1A-377EC83D0E3A}" type="datetime1">
               <a:rPr lang="en-US" smtClean="0"/>
-              <a:t>1/3/21</a:t>
+              <a:t>1/7/21</a:t>
             </a:fld>
             <a:endParaRPr lang="en-US"/>
           </a:p>
@@ -2991,7 +2991,7 @@
           <a:p>
             <a:fld id="{4142EED6-FC16-45B9-B8C4-2BC5DBA88325}" type="datetime1">
               <a:rPr lang="en-US" smtClean="0"/>
-              <a:t>1/3/21</a:t>
+              <a:t>1/7/21</a:t>
             </a:fld>
             <a:endParaRPr lang="en-US"/>
           </a:p>
@@ -3306,7 +3306,7 @@
           <a:p>
             <a:fld id="{DF59512B-4F1D-43D7-8819-2F53FEF69650}" type="datetime1">
               <a:rPr lang="en-US" smtClean="0"/>
-              <a:t>1/3/21</a:t>
+              <a:t>1/7/21</a:t>
             </a:fld>
             <a:endParaRPr lang="en-US"/>
           </a:p>
@@ -3579,7 +3579,7 @@
           <a:p>
             <a:fld id="{08437B94-E2BF-44DC-ADC5-B05FC9934E9D}" type="datetime1">
               <a:rPr lang="en-US" smtClean="0"/>
-              <a:t>1/3/21</a:t>
+              <a:t>1/7/21</a:t>
             </a:fld>
             <a:endParaRPr lang="en-US"/>
           </a:p>
@@ -4270,7 +4270,7 @@
                   <a:spcPts val="600"/>
                 </a:spcAft>
               </a:pPr>
-              <a:t>1/3/21</a:t>
+              <a:t>1/7/21</a:t>
             </a:fld>
             <a:endParaRPr lang="en-US" sz="1200">
               <a:solidFill>
@@ -4440,7 +4440,7 @@
           <a:p>
             <a:fld id="{6700A58B-DD98-43D0-B791-721480A02982}" type="datetime1">
               <a:rPr lang="en-US" smtClean="0"/>
-              <a:t>1/3/21</a:t>
+              <a:t>1/7/21</a:t>
             </a:fld>
             <a:endParaRPr lang="en-US"/>
           </a:p>
@@ -4940,7 +4940,7 @@
           <a:p>
             <a:fld id="{6700A58B-DD98-43D0-B791-721480A02982}" type="datetime1">
               <a:rPr lang="en-US" smtClean="0"/>
-              <a:t>1/3/21</a:t>
+              <a:t>1/7/21</a:t>
             </a:fld>
             <a:endParaRPr lang="en-US"/>
           </a:p>
@@ -5382,7 +5382,7 @@
           <a:p>
             <a:fld id="{6700A58B-DD98-43D0-B791-721480A02982}" type="datetime1">
               <a:rPr lang="en-US" smtClean="0"/>
-              <a:t>1/3/21</a:t>
+              <a:t>1/7/21</a:t>
             </a:fld>
             <a:endParaRPr lang="en-US"/>
           </a:p>
@@ -5415,7 +5415,7 @@
             </a:r>
             <a:r>
               <a:rPr lang="en-US" dirty="0" err="1"/>
-              <a:t>C_Speech_to_Text_API.R</a:t>
+              <a:t>Z_Speech_to_Text_API.R</a:t>
             </a:r>
             <a:endParaRPr lang="en-US" dirty="0"/>
           </a:p>

--- a/lessons/E_SyntacticParsing_DataSources/D5_live_Z_GoogleAPI_NLP_services.pptx
+++ b/lessons/E_SyntacticParsing_DataSources/D5_live_Z_GoogleAPI_NLP_services.pptx
@@ -217,7 +217,7 @@
           <a:p>
             <a:fld id="{B0C0A60C-850A-4EA4-9C14-A8FE98B94505}" type="datetimeFigureOut">
               <a:rPr lang="en-US" smtClean="0"/>
-              <a:t>1/7/21</a:t>
+              <a:t>1/8/21</a:t>
             </a:fld>
             <a:endParaRPr lang="en-US"/>
           </a:p>
@@ -616,7 +616,7 @@
           <a:p>
             <a:fld id="{5738B90E-0779-4C36-915C-6F05FCD89456}" type="datetime1">
               <a:rPr lang="en-US" smtClean="0"/>
-              <a:t>1/7/21</a:t>
+              <a:t>1/8/21</a:t>
             </a:fld>
             <a:endParaRPr lang="en-US"/>
           </a:p>
@@ -796,7 +796,7 @@
           <a:p>
             <a:fld id="{7B9EA29D-D431-42FE-B7B6-AAE4454C77D3}" type="datetime1">
               <a:rPr lang="en-US" smtClean="0"/>
-              <a:t>1/7/21</a:t>
+              <a:t>1/8/21</a:t>
             </a:fld>
             <a:endParaRPr lang="en-US"/>
           </a:p>
@@ -1053,7 +1053,7 @@
           <a:p>
             <a:fld id="{690D8A1E-EA8F-46C1-B891-AE0C00D9C314}" type="datetime1">
               <a:rPr lang="en-US" smtClean="0"/>
-              <a:t>1/7/21</a:t>
+              <a:t>1/8/21</a:t>
             </a:fld>
             <a:endParaRPr lang="en-US"/>
           </a:p>
@@ -1344,7 +1344,7 @@
           <a:p>
             <a:fld id="{D753EFC8-4232-4598-94F6-94C0EBAFC469}" type="datetime1">
               <a:rPr lang="en-US" smtClean="0"/>
-              <a:t>1/7/21</a:t>
+              <a:t>1/8/21</a:t>
             </a:fld>
             <a:endParaRPr lang="en-US"/>
           </a:p>
@@ -1656,7 +1656,7 @@
           <a:p>
             <a:fld id="{F3161074-1C18-4AE7-957D-F18524378C85}" type="datetime1">
               <a:rPr lang="en-US" smtClean="0"/>
-              <a:t>1/7/21</a:t>
+              <a:t>1/8/21</a:t>
             </a:fld>
             <a:endParaRPr lang="en-US"/>
           </a:p>
@@ -1892,7 +1892,7 @@
           <a:p>
             <a:fld id="{69BE256C-8D9A-4404-B47D-41A1AE514425}" type="datetime1">
               <a:rPr lang="en-US" smtClean="0"/>
-              <a:t>1/7/21</a:t>
+              <a:t>1/8/21</a:t>
             </a:fld>
             <a:endParaRPr lang="en-US"/>
           </a:p>
@@ -2323,7 +2323,7 @@
           <a:p>
             <a:fld id="{66CB2154-9035-4012-8189-BAAB61C5A5EE}" type="datetime1">
               <a:rPr lang="en-US" smtClean="0"/>
-              <a:t>1/7/21</a:t>
+              <a:t>1/8/21</a:t>
             </a:fld>
             <a:endParaRPr lang="en-US"/>
           </a:p>
@@ -2494,7 +2494,7 @@
           <a:p>
             <a:fld id="{6700A58B-DD98-43D0-B791-721480A02982}" type="datetime1">
               <a:rPr lang="en-US" smtClean="0"/>
-              <a:t>1/7/21</a:t>
+              <a:t>1/8/21</a:t>
             </a:fld>
             <a:endParaRPr lang="en-US"/>
           </a:p>
@@ -2683,7 +2683,7 @@
           <a:p>
             <a:fld id="{7DB6E382-4F61-4E24-BE1A-377EC83D0E3A}" type="datetime1">
               <a:rPr lang="en-US" smtClean="0"/>
-              <a:t>1/7/21</a:t>
+              <a:t>1/8/21</a:t>
             </a:fld>
             <a:endParaRPr lang="en-US"/>
           </a:p>
@@ -2991,7 +2991,7 @@
           <a:p>
             <a:fld id="{4142EED6-FC16-45B9-B8C4-2BC5DBA88325}" type="datetime1">
               <a:rPr lang="en-US" smtClean="0"/>
-              <a:t>1/7/21</a:t>
+              <a:t>1/8/21</a:t>
             </a:fld>
             <a:endParaRPr lang="en-US"/>
           </a:p>
@@ -3306,7 +3306,7 @@
           <a:p>
             <a:fld id="{DF59512B-4F1D-43D7-8819-2F53FEF69650}" type="datetime1">
               <a:rPr lang="en-US" smtClean="0"/>
-              <a:t>1/7/21</a:t>
+              <a:t>1/8/21</a:t>
             </a:fld>
             <a:endParaRPr lang="en-US"/>
           </a:p>
@@ -3579,7 +3579,7 @@
           <a:p>
             <a:fld id="{08437B94-E2BF-44DC-ADC5-B05FC9934E9D}" type="datetime1">
               <a:rPr lang="en-US" smtClean="0"/>
-              <a:t>1/7/21</a:t>
+              <a:t>1/8/21</a:t>
             </a:fld>
             <a:endParaRPr lang="en-US"/>
           </a:p>
@@ -4270,7 +4270,7 @@
                   <a:spcPts val="600"/>
                 </a:spcAft>
               </a:pPr>
-              <a:t>1/7/21</a:t>
+              <a:t>1/8/21</a:t>
             </a:fld>
             <a:endParaRPr lang="en-US" sz="1200">
               <a:solidFill>
@@ -4440,7 +4440,7 @@
           <a:p>
             <a:fld id="{6700A58B-DD98-43D0-B791-721480A02982}" type="datetime1">
               <a:rPr lang="en-US" smtClean="0"/>
-              <a:t>1/7/21</a:t>
+              <a:t>1/8/21</a:t>
             </a:fld>
             <a:endParaRPr lang="en-US"/>
           </a:p>
@@ -4498,7 +4498,12 @@
             <p:ph type="sldNum" sz="quarter" idx="12"/>
           </p:nvPr>
         </p:nvSpPr>
-        <p:spPr/>
+        <p:spPr>
+          <a:xfrm>
+            <a:off x="6455044" y="6461488"/>
+            <a:ext cx="857250" cy="365125"/>
+          </a:xfrm>
+        </p:spPr>
         <p:txBody>
           <a:bodyPr/>
           <a:lstStyle/>
@@ -4940,7 +4945,7 @@
           <a:p>
             <a:fld id="{6700A58B-DD98-43D0-B791-721480A02982}" type="datetime1">
               <a:rPr lang="en-US" smtClean="0"/>
-              <a:t>1/7/21</a:t>
+              <a:t>1/8/21</a:t>
             </a:fld>
             <a:endParaRPr lang="en-US"/>
           </a:p>
@@ -5382,7 +5387,7 @@
           <a:p>
             <a:fld id="{6700A58B-DD98-43D0-B791-721480A02982}" type="datetime1">
               <a:rPr lang="en-US" smtClean="0"/>
-              <a:t>1/7/21</a:t>
+              <a:t>1/8/21</a:t>
             </a:fld>
             <a:endParaRPr lang="en-US"/>
           </a:p>
